--- a/Saugos Magistro studijos/Referato pristatymas.pptx
+++ b/Saugos Magistro studijos/Referato pristatymas.pptx
@@ -224,7 +224,7 @@
               <a:cs typeface="Inter" panose="020B0502030000000004" pitchFamily="34" charset="0"/>
             </a:defRPr>
           </a:pPr>
-          <a:endParaRPr lang="en-US"/>
+          <a:endParaRPr lang="LID4096"/>
         </a:p>
       </c:txPr>
     </c:title>
@@ -283,7 +283,7 @@
                     <a:cs typeface="Inter Medium" panose="020B0502030000000004" pitchFamily="34" charset="0"/>
                   </a:defRPr>
                 </a:pPr>
-                <a:endParaRPr lang="en-US"/>
+                <a:endParaRPr lang="LID4096"/>
               </a:p>
             </c:txPr>
             <c:dLblPos val="outEnd"/>
@@ -412,7 +412,7 @@
                     <a:cs typeface="Inter Medium" panose="020B0502030000000004" pitchFamily="34" charset="0"/>
                   </a:defRPr>
                 </a:pPr>
-                <a:endParaRPr lang="en-US"/>
+                <a:endParaRPr lang="LID4096"/>
               </a:p>
             </c:txPr>
             <c:dLblPos val="outEnd"/>
@@ -540,7 +540,7 @@
                     <a:cs typeface="Inter Medium" panose="020B0502030000000004" pitchFamily="34" charset="0"/>
                   </a:defRPr>
                 </a:pPr>
-                <a:endParaRPr lang="en-US"/>
+                <a:endParaRPr lang="LID4096"/>
               </a:p>
             </c:txPr>
             <c:dLblPos val="outEnd"/>
@@ -670,7 +670,7 @@
                 <a:cs typeface="Inter Medium" panose="020B0502030000000004" pitchFamily="34" charset="0"/>
               </a:defRPr>
             </a:pPr>
-            <a:endParaRPr lang="en-US"/>
+            <a:endParaRPr lang="LID4096"/>
           </a:p>
         </c:txPr>
         <c:crossAx val="571192768"/>
@@ -723,7 +723,7 @@
                 <a:cs typeface="Inter Medium" panose="020B0502030000000004" pitchFamily="34" charset="0"/>
               </a:defRPr>
             </a:pPr>
-            <a:endParaRPr lang="en-US"/>
+            <a:endParaRPr lang="LID4096"/>
           </a:p>
         </c:txPr>
         <c:crossAx val="1154763968"/>
@@ -772,7 +772,7 @@
               <a:cs typeface="Inter Medium" panose="020B0502030000000004" pitchFamily="34" charset="0"/>
             </a:defRPr>
           </a:pPr>
-          <a:endParaRPr lang="en-US"/>
+          <a:endParaRPr lang="LID4096"/>
         </a:p>
       </c:txPr>
     </c:legend>
@@ -801,7 +801,7 @@
       <a:pPr>
         <a:defRPr/>
       </a:pPr>
-      <a:endParaRPr lang="en-US"/>
+      <a:endParaRPr lang="LID4096"/>
     </a:p>
   </c:txPr>
   <c:externalData r:id="rId3">
@@ -884,7 +884,7 @@
               <a:cs typeface="Inter" panose="020B0502030000000004" pitchFamily="34" charset="0"/>
             </a:defRPr>
           </a:pPr>
-          <a:endParaRPr lang="en-US"/>
+          <a:endParaRPr lang="LID4096"/>
         </a:p>
       </c:txPr>
     </c:title>
@@ -1100,7 +1100,7 @@
               <a:cs typeface="Inter Medium" panose="020B0502030000000004" pitchFamily="34" charset="0"/>
             </a:defRPr>
           </a:pPr>
-          <a:endParaRPr lang="en-US"/>
+          <a:endParaRPr lang="LID4096"/>
         </a:p>
       </c:txPr>
     </c:legend>
@@ -1129,7 +1129,7 @@
       <a:pPr>
         <a:defRPr/>
       </a:pPr>
-      <a:endParaRPr lang="en-US"/>
+      <a:endParaRPr lang="LID4096"/>
     </a:p>
   </c:txPr>
   <c:externalData r:id="rId3">
@@ -1212,7 +1212,7 @@
               <a:cs typeface="Inter" panose="020B0502030000000004" pitchFamily="34" charset="0"/>
             </a:defRPr>
           </a:pPr>
-          <a:endParaRPr lang="en-US"/>
+          <a:endParaRPr lang="LID4096"/>
         </a:p>
       </c:txPr>
     </c:title>
@@ -1271,7 +1271,7 @@
                     <a:cs typeface="Inter Medium" panose="020B0502030000000004" pitchFamily="34" charset="0"/>
                   </a:defRPr>
                 </a:pPr>
-                <a:endParaRPr lang="en-US"/>
+                <a:endParaRPr lang="LID4096"/>
               </a:p>
             </c:txPr>
             <c:dLblPos val="outEnd"/>
@@ -1400,7 +1400,7 @@
                     <a:cs typeface="Inter Medium" panose="020B0502030000000004" pitchFamily="34" charset="0"/>
                   </a:defRPr>
                 </a:pPr>
-                <a:endParaRPr lang="en-US"/>
+                <a:endParaRPr lang="LID4096"/>
               </a:p>
             </c:txPr>
             <c:dLblPos val="outEnd"/>
@@ -1528,7 +1528,7 @@
                     <a:cs typeface="Inter Medium" panose="020B0502030000000004" pitchFamily="34" charset="0"/>
                   </a:defRPr>
                 </a:pPr>
-                <a:endParaRPr lang="en-US"/>
+                <a:endParaRPr lang="LID4096"/>
               </a:p>
             </c:txPr>
             <c:dLblPos val="outEnd"/>
@@ -1658,7 +1658,7 @@
                 <a:cs typeface="Inter Medium" panose="020B0502030000000004" pitchFamily="34" charset="0"/>
               </a:defRPr>
             </a:pPr>
-            <a:endParaRPr lang="en-US"/>
+            <a:endParaRPr lang="LID4096"/>
           </a:p>
         </c:txPr>
         <c:crossAx val="571192768"/>
@@ -1711,7 +1711,7 @@
                 <a:cs typeface="Inter Medium" panose="020B0502030000000004" pitchFamily="34" charset="0"/>
               </a:defRPr>
             </a:pPr>
-            <a:endParaRPr lang="en-US"/>
+            <a:endParaRPr lang="LID4096"/>
           </a:p>
         </c:txPr>
         <c:crossAx val="1154763968"/>
@@ -1760,7 +1760,7 @@
               <a:cs typeface="Inter Medium" panose="020B0502030000000004" pitchFamily="34" charset="0"/>
             </a:defRPr>
           </a:pPr>
-          <a:endParaRPr lang="en-US"/>
+          <a:endParaRPr lang="LID4096"/>
         </a:p>
       </c:txPr>
     </c:legend>
@@ -1789,7 +1789,7 @@
       <a:pPr>
         <a:defRPr/>
       </a:pPr>
-      <a:endParaRPr lang="en-US"/>
+      <a:endParaRPr lang="LID4096"/>
     </a:p>
   </c:txPr>
   <c:externalData r:id="rId3">
@@ -1872,7 +1872,7 @@
               <a:cs typeface="Inter" panose="020B0502030000000004" pitchFamily="34" charset="0"/>
             </a:defRPr>
           </a:pPr>
-          <a:endParaRPr lang="en-US"/>
+          <a:endParaRPr lang="LID4096"/>
         </a:p>
       </c:txPr>
     </c:title>
@@ -2088,7 +2088,7 @@
               <a:cs typeface="Inter Medium" panose="020B0502030000000004" pitchFamily="34" charset="0"/>
             </a:defRPr>
           </a:pPr>
-          <a:endParaRPr lang="en-US"/>
+          <a:endParaRPr lang="LID4096"/>
         </a:p>
       </c:txPr>
     </c:legend>
@@ -2117,7 +2117,7 @@
       <a:pPr>
         <a:defRPr/>
       </a:pPr>
-      <a:endParaRPr lang="en-US"/>
+      <a:endParaRPr lang="LID4096"/>
     </a:p>
   </c:txPr>
   <c:externalData r:id="rId3">
@@ -4288,7 +4288,7 @@
           <a:p>
             <a:fld id="{72F77756-703A-4C45-96D0-2261A4FADC57}" type="datetimeFigureOut">
               <a:rPr lang="en-US" smtClean="0"/>
-              <a:t>11/22/2021</a:t>
+              <a:t>11/26/2021</a:t>
             </a:fld>
             <a:endParaRPr lang="en-US"/>
           </a:p>
@@ -4466,7 +4466,7 @@
           <a:p>
             <a:fld id="{7E4A7845-6E42-A54B-BDCA-C3518250E7BF}" type="datetimeFigureOut">
               <a:rPr lang="en-US" smtClean="0"/>
-              <a:t>11/22/2021</a:t>
+              <a:t>11/26/2021</a:t>
             </a:fld>
             <a:endParaRPr lang="en-US"/>
           </a:p>
@@ -24116,11 +24116,28 @@
             <p:ph type="body" sz="quarter" idx="10"/>
           </p:nvPr>
         </p:nvSpPr>
-        <p:spPr/>
+        <p:spPr>
+          <a:xfrm>
+            <a:off x="2613221" y="1437667"/>
+            <a:ext cx="6975279" cy="4276777"/>
+          </a:xfrm>
+        </p:spPr>
         <p:txBody>
           <a:bodyPr/>
           <a:lstStyle/>
           <a:p>
+            <a:pPr marL="0" indent="0">
+              <a:buNone/>
+            </a:pPr>
+            <a:r>
+              <a:rPr lang="lt-LT" dirty="0"/>
+              <a:t>Įvairūs būdai, kaip apeiti ugniasienes. </a:t>
+            </a:r>
+          </a:p>
+          <a:p>
+            <a:pPr marL="0" indent="0">
+              <a:buNone/>
+            </a:pPr>
             <a:endParaRPr lang="en-US" dirty="0"/>
           </a:p>
         </p:txBody>
@@ -24179,6 +24196,36 @@
           </a:p>
         </p:txBody>
       </p:sp>
+      <p:pic>
+        <p:nvPicPr>
+          <p:cNvPr id="8" name="Picture 7" descr="Diagram, engineering drawing&#10;&#10;Description automatically generated">
+            <a:extLst>
+              <a:ext uri="{FF2B5EF4-FFF2-40B4-BE49-F238E27FC236}">
+                <a16:creationId xmlns:a16="http://schemas.microsoft.com/office/drawing/2014/main" id="{13B72C9B-EBD1-4947-8B73-A5CC8AB0BADF}"/>
+              </a:ext>
+            </a:extLst>
+          </p:cNvPr>
+          <p:cNvPicPr>
+            <a:picLocks noChangeAspect="1"/>
+          </p:cNvPicPr>
+          <p:nvPr/>
+        </p:nvPicPr>
+        <p:blipFill>
+          <a:blip r:embed="rId2"/>
+          <a:stretch>
+            <a:fillRect/>
+          </a:stretch>
+        </p:blipFill>
+        <p:spPr>
+          <a:xfrm>
+            <a:off x="3339180" y="1980486"/>
+            <a:ext cx="6585593" cy="4276777"/>
+          </a:xfrm>
+          <a:prstGeom prst="rect">
+            <a:avLst/>
+          </a:prstGeom>
+        </p:spPr>
+      </p:pic>
     </p:spTree>
     <p:extLst>
       <p:ext uri="{BB962C8B-B14F-4D97-AF65-F5344CB8AC3E}">
@@ -24923,6 +24970,36 @@
           </a:p>
         </p:txBody>
       </p:sp>
+      <p:pic>
+        <p:nvPicPr>
+          <p:cNvPr id="6" name="Picture 5" descr="Logo, company name&#10;&#10;Description automatically generated with medium confidence">
+            <a:extLst>
+              <a:ext uri="{FF2B5EF4-FFF2-40B4-BE49-F238E27FC236}">
+                <a16:creationId xmlns:a16="http://schemas.microsoft.com/office/drawing/2014/main" id="{4EAF1CD6-24FE-4098-A8CF-67E443637A24}"/>
+              </a:ext>
+            </a:extLst>
+          </p:cNvPr>
+          <p:cNvPicPr>
+            <a:picLocks noChangeAspect="1"/>
+          </p:cNvPicPr>
+          <p:nvPr/>
+        </p:nvPicPr>
+        <p:blipFill>
+          <a:blip r:embed="rId2"/>
+          <a:stretch>
+            <a:fillRect/>
+          </a:stretch>
+        </p:blipFill>
+        <p:spPr>
+          <a:xfrm>
+            <a:off x="2613221" y="2535085"/>
+            <a:ext cx="7315200" cy="2781300"/>
+          </a:xfrm>
+          <a:prstGeom prst="rect">
+            <a:avLst/>
+          </a:prstGeom>
+        </p:spPr>
+      </p:pic>
     </p:spTree>
     <p:extLst>
       <p:ext uri="{BB962C8B-B14F-4D97-AF65-F5344CB8AC3E}">
@@ -26606,6 +26683,14 @@
 </file>
 
 <file path=customXml/item2.xml><?xml version="1.0" encoding="utf-8"?>
+<p:properties xmlns:p="http://schemas.microsoft.com/office/2006/metadata/properties" xmlns:xsi="http://www.w3.org/2001/XMLSchema-instance" xmlns:pc="http://schemas.microsoft.com/office/infopath/2007/PartnerControls">
+  <documentManagement>
+    <Modifikuoti xmlns="6f570473-4b36-4c39-a776-03401f4bff93" xsi:nil="true"/>
+  </documentManagement>
+</p:properties>
+</file>
+
+<file path=customXml/item3.xml><?xml version="1.0" encoding="utf-8"?>
 <ct:contentTypeSchema xmlns:ct="http://schemas.microsoft.com/office/2006/metadata/contentType" xmlns:ma="http://schemas.microsoft.com/office/2006/metadata/properties/metaAttributes" ct:_="" ma:_="" ma:contentTypeName="Dokumentas" ma:contentTypeID="0x01010085A0B56825ACE44AA56534054A45F39F" ma:contentTypeVersion="16" ma:contentTypeDescription="Kurkite naują dokumentą." ma:contentTypeScope="" ma:versionID="af5a762cd9ff50b6a08d36f9c4c905e0">
   <xsd:schema xmlns:xsd="http://www.w3.org/2001/XMLSchema" xmlns:xs="http://www.w3.org/2001/XMLSchema" xmlns:p="http://schemas.microsoft.com/office/2006/metadata/properties" xmlns:ns2="620836a7-bc45-472c-88d2-4326827033e8" xmlns:ns3="6f570473-4b36-4c39-a776-03401f4bff93" targetNamespace="http://schemas.microsoft.com/office/2006/metadata/properties" ma:root="true" ma:fieldsID="f1c764103dade80e512ed8409fb7d386" ns2:_="" ns3:_="">
     <xsd:import namespace="620836a7-bc45-472c-88d2-4326827033e8"/>
@@ -26848,14 +26933,6 @@
 </ct:contentTypeSchema>
 </file>
 
-<file path=customXml/item3.xml><?xml version="1.0" encoding="utf-8"?>
-<p:properties xmlns:p="http://schemas.microsoft.com/office/2006/metadata/properties" xmlns:xsi="http://www.w3.org/2001/XMLSchema-instance" xmlns:pc="http://schemas.microsoft.com/office/infopath/2007/PartnerControls">
-  <documentManagement>
-    <Modifikuoti xmlns="6f570473-4b36-4c39-a776-03401f4bff93" xsi:nil="true"/>
-  </documentManagement>
-</p:properties>
-</file>
-
 <file path=customXml/itemProps1.xml><?xml version="1.0" encoding="utf-8"?>
 <ds:datastoreItem xmlns:ds="http://schemas.openxmlformats.org/officeDocument/2006/customXml" ds:itemID="{520C1942-10EE-42DC-AE9F-A926B050F2F4}">
   <ds:schemaRefs>
@@ -26865,6 +26942,16 @@
 </file>
 
 <file path=customXml/itemProps2.xml><?xml version="1.0" encoding="utf-8"?>
+<ds:datastoreItem xmlns:ds="http://schemas.openxmlformats.org/officeDocument/2006/customXml" ds:itemID="{BA7BADF8-ABD3-4C23-AF26-BD3BDD8175E7}">
+  <ds:schemaRefs>
+    <ds:schemaRef ds:uri="http://schemas.microsoft.com/office/2006/metadata/properties"/>
+    <ds:schemaRef ds:uri="http://schemas.microsoft.com/office/infopath/2007/PartnerControls"/>
+    <ds:schemaRef ds:uri="6f570473-4b36-4c39-a776-03401f4bff93"/>
+  </ds:schemaRefs>
+</ds:datastoreItem>
+</file>
+
+<file path=customXml/itemProps3.xml><?xml version="1.0" encoding="utf-8"?>
 <ds:datastoreItem xmlns:ds="http://schemas.openxmlformats.org/officeDocument/2006/customXml" ds:itemID="{8E9EA016-48E9-454F-BAD2-C11D02A89C34}">
   <ds:schemaRefs>
     <ds:schemaRef ds:uri="http://schemas.microsoft.com/office/2006/metadata/contentType"/>
@@ -26881,14 +26968,4 @@
     <ds:schemaRef ds:uri="http://schemas.microsoft.com/internal/obd"/>
   </ds:schemaRefs>
 </ds:datastoreItem>
-</file>
-
-<file path=customXml/itemProps3.xml><?xml version="1.0" encoding="utf-8"?>
-<ds:datastoreItem xmlns:ds="http://schemas.openxmlformats.org/officeDocument/2006/customXml" ds:itemID="{BA7BADF8-ABD3-4C23-AF26-BD3BDD8175E7}">
-  <ds:schemaRefs>
-    <ds:schemaRef ds:uri="http://schemas.microsoft.com/office/2006/metadata/properties"/>
-    <ds:schemaRef ds:uri="http://schemas.microsoft.com/office/infopath/2007/PartnerControls"/>
-    <ds:schemaRef ds:uri="6f570473-4b36-4c39-a776-03401f4bff93"/>
-  </ds:schemaRefs>
-</ds:datastoreItem>
 </file>
--- a/Saugos Magistro studijos/Referato pristatymas.pptx
+++ b/Saugos Magistro studijos/Referato pristatymas.pptx
@@ -224,7 +224,7 @@
               <a:cs typeface="Inter" panose="020B0502030000000004" pitchFamily="34" charset="0"/>
             </a:defRPr>
           </a:pPr>
-          <a:endParaRPr lang="LID4096"/>
+          <a:endParaRPr lang="en-US"/>
         </a:p>
       </c:txPr>
     </c:title>
@@ -283,7 +283,7 @@
                     <a:cs typeface="Inter Medium" panose="020B0502030000000004" pitchFamily="34" charset="0"/>
                   </a:defRPr>
                 </a:pPr>
-                <a:endParaRPr lang="LID4096"/>
+                <a:endParaRPr lang="en-US"/>
               </a:p>
             </c:txPr>
             <c:dLblPos val="outEnd"/>
@@ -412,7 +412,7 @@
                     <a:cs typeface="Inter Medium" panose="020B0502030000000004" pitchFamily="34" charset="0"/>
                   </a:defRPr>
                 </a:pPr>
-                <a:endParaRPr lang="LID4096"/>
+                <a:endParaRPr lang="en-US"/>
               </a:p>
             </c:txPr>
             <c:dLblPos val="outEnd"/>
@@ -540,7 +540,7 @@
                     <a:cs typeface="Inter Medium" panose="020B0502030000000004" pitchFamily="34" charset="0"/>
                   </a:defRPr>
                 </a:pPr>
-                <a:endParaRPr lang="LID4096"/>
+                <a:endParaRPr lang="en-US"/>
               </a:p>
             </c:txPr>
             <c:dLblPos val="outEnd"/>
@@ -670,7 +670,7 @@
                 <a:cs typeface="Inter Medium" panose="020B0502030000000004" pitchFamily="34" charset="0"/>
               </a:defRPr>
             </a:pPr>
-            <a:endParaRPr lang="LID4096"/>
+            <a:endParaRPr lang="en-US"/>
           </a:p>
         </c:txPr>
         <c:crossAx val="571192768"/>
@@ -723,7 +723,7 @@
                 <a:cs typeface="Inter Medium" panose="020B0502030000000004" pitchFamily="34" charset="0"/>
               </a:defRPr>
             </a:pPr>
-            <a:endParaRPr lang="LID4096"/>
+            <a:endParaRPr lang="en-US"/>
           </a:p>
         </c:txPr>
         <c:crossAx val="1154763968"/>
@@ -772,7 +772,7 @@
               <a:cs typeface="Inter Medium" panose="020B0502030000000004" pitchFamily="34" charset="0"/>
             </a:defRPr>
           </a:pPr>
-          <a:endParaRPr lang="LID4096"/>
+          <a:endParaRPr lang="en-US"/>
         </a:p>
       </c:txPr>
     </c:legend>
@@ -801,7 +801,7 @@
       <a:pPr>
         <a:defRPr/>
       </a:pPr>
-      <a:endParaRPr lang="LID4096"/>
+      <a:endParaRPr lang="en-US"/>
     </a:p>
   </c:txPr>
   <c:externalData r:id="rId3">
@@ -884,7 +884,7 @@
               <a:cs typeface="Inter" panose="020B0502030000000004" pitchFamily="34" charset="0"/>
             </a:defRPr>
           </a:pPr>
-          <a:endParaRPr lang="LID4096"/>
+          <a:endParaRPr lang="en-US"/>
         </a:p>
       </c:txPr>
     </c:title>
@@ -1100,7 +1100,7 @@
               <a:cs typeface="Inter Medium" panose="020B0502030000000004" pitchFamily="34" charset="0"/>
             </a:defRPr>
           </a:pPr>
-          <a:endParaRPr lang="LID4096"/>
+          <a:endParaRPr lang="en-US"/>
         </a:p>
       </c:txPr>
     </c:legend>
@@ -1129,7 +1129,7 @@
       <a:pPr>
         <a:defRPr/>
       </a:pPr>
-      <a:endParaRPr lang="LID4096"/>
+      <a:endParaRPr lang="en-US"/>
     </a:p>
   </c:txPr>
   <c:externalData r:id="rId3">
@@ -1212,7 +1212,7 @@
               <a:cs typeface="Inter" panose="020B0502030000000004" pitchFamily="34" charset="0"/>
             </a:defRPr>
           </a:pPr>
-          <a:endParaRPr lang="LID4096"/>
+          <a:endParaRPr lang="en-US"/>
         </a:p>
       </c:txPr>
     </c:title>
@@ -1271,7 +1271,7 @@
                     <a:cs typeface="Inter Medium" panose="020B0502030000000004" pitchFamily="34" charset="0"/>
                   </a:defRPr>
                 </a:pPr>
-                <a:endParaRPr lang="LID4096"/>
+                <a:endParaRPr lang="en-US"/>
               </a:p>
             </c:txPr>
             <c:dLblPos val="outEnd"/>
@@ -1400,7 +1400,7 @@
                     <a:cs typeface="Inter Medium" panose="020B0502030000000004" pitchFamily="34" charset="0"/>
                   </a:defRPr>
                 </a:pPr>
-                <a:endParaRPr lang="LID4096"/>
+                <a:endParaRPr lang="en-US"/>
               </a:p>
             </c:txPr>
             <c:dLblPos val="outEnd"/>
@@ -1528,7 +1528,7 @@
                     <a:cs typeface="Inter Medium" panose="020B0502030000000004" pitchFamily="34" charset="0"/>
                   </a:defRPr>
                 </a:pPr>
-                <a:endParaRPr lang="LID4096"/>
+                <a:endParaRPr lang="en-US"/>
               </a:p>
             </c:txPr>
             <c:dLblPos val="outEnd"/>
@@ -1658,7 +1658,7 @@
                 <a:cs typeface="Inter Medium" panose="020B0502030000000004" pitchFamily="34" charset="0"/>
               </a:defRPr>
             </a:pPr>
-            <a:endParaRPr lang="LID4096"/>
+            <a:endParaRPr lang="en-US"/>
           </a:p>
         </c:txPr>
         <c:crossAx val="571192768"/>
@@ -1711,7 +1711,7 @@
                 <a:cs typeface="Inter Medium" panose="020B0502030000000004" pitchFamily="34" charset="0"/>
               </a:defRPr>
             </a:pPr>
-            <a:endParaRPr lang="LID4096"/>
+            <a:endParaRPr lang="en-US"/>
           </a:p>
         </c:txPr>
         <c:crossAx val="1154763968"/>
@@ -1760,7 +1760,7 @@
               <a:cs typeface="Inter Medium" panose="020B0502030000000004" pitchFamily="34" charset="0"/>
             </a:defRPr>
           </a:pPr>
-          <a:endParaRPr lang="LID4096"/>
+          <a:endParaRPr lang="en-US"/>
         </a:p>
       </c:txPr>
     </c:legend>
@@ -1789,7 +1789,7 @@
       <a:pPr>
         <a:defRPr/>
       </a:pPr>
-      <a:endParaRPr lang="LID4096"/>
+      <a:endParaRPr lang="en-US"/>
     </a:p>
   </c:txPr>
   <c:externalData r:id="rId3">
@@ -1872,7 +1872,7 @@
               <a:cs typeface="Inter" panose="020B0502030000000004" pitchFamily="34" charset="0"/>
             </a:defRPr>
           </a:pPr>
-          <a:endParaRPr lang="LID4096"/>
+          <a:endParaRPr lang="en-US"/>
         </a:p>
       </c:txPr>
     </c:title>
@@ -2088,7 +2088,7 @@
               <a:cs typeface="Inter Medium" panose="020B0502030000000004" pitchFamily="34" charset="0"/>
             </a:defRPr>
           </a:pPr>
-          <a:endParaRPr lang="LID4096"/>
+          <a:endParaRPr lang="en-US"/>
         </a:p>
       </c:txPr>
     </c:legend>
@@ -2117,7 +2117,7 @@
       <a:pPr>
         <a:defRPr/>
       </a:pPr>
-      <a:endParaRPr lang="LID4096"/>
+      <a:endParaRPr lang="en-US"/>
     </a:p>
   </c:txPr>
   <c:externalData r:id="rId3">
@@ -4288,7 +4288,7 @@
           <a:p>
             <a:fld id="{72F77756-703A-4C45-96D0-2261A4FADC57}" type="datetimeFigureOut">
               <a:rPr lang="en-US" smtClean="0"/>
-              <a:t>11/26/2021</a:t>
+              <a:t>11/29/2021</a:t>
             </a:fld>
             <a:endParaRPr lang="en-US"/>
           </a:p>
@@ -4466,7 +4466,7 @@
           <a:p>
             <a:fld id="{7E4A7845-6E42-A54B-BDCA-C3518250E7BF}" type="datetimeFigureOut">
               <a:rPr lang="en-US" smtClean="0"/>
-              <a:t>11/26/2021</a:t>
+              <a:t>11/29/2021</a:t>
             </a:fld>
             <a:endParaRPr lang="en-US"/>
           </a:p>
@@ -23973,7 +23973,7 @@
                 <a:latin typeface="Times New Roman" panose="02020603050405020304" pitchFamily="18" charset="0"/>
                 <a:ea typeface="Calibri" panose="020F0502020204030204" pitchFamily="34" charset="0"/>
               </a:rPr>
-              <a:t>Programos lygio šliuzų ugniasienės </a:t>
+              <a:t>Programos lygio šliuzų ugniasienės – filtravimas vyksta per serverį</a:t>
             </a:r>
           </a:p>
           <a:p>
@@ -23997,7 +23997,7 @@
                 <a:latin typeface="Times New Roman" panose="02020603050405020304" pitchFamily="18" charset="0"/>
                 <a:ea typeface="Calibri" panose="020F0502020204030204" pitchFamily="34" charset="0"/>
               </a:rPr>
-              <a:t>Busenos ugniasiene</a:t>
+              <a:t>Busenos ugniasiene – busenos sekimas ir ketimas</a:t>
             </a:r>
           </a:p>
           <a:p>
@@ -24007,7 +24007,7 @@
                 <a:latin typeface="Times New Roman" panose="02020603050405020304" pitchFamily="18" charset="0"/>
                 <a:ea typeface="Calibri" panose="020F0502020204030204" pitchFamily="34" charset="0"/>
               </a:rPr>
-              <a:t>Grandinės lygio šliuzas </a:t>
+              <a:t>Grandinės lygio šliuzas – tcp protokolo tvirtinimas</a:t>
             </a:r>
             <a:endParaRPr lang="lt-LT" sz="1800" dirty="0">
               <a:latin typeface="Times New Roman" panose="02020603050405020304" pitchFamily="18" charset="0"/>
@@ -24274,7 +24274,7 @@
         </p:nvSpPr>
         <p:spPr>
           <a:xfrm>
-            <a:off x="2608360" y="1787346"/>
+            <a:off x="2608360" y="1451888"/>
             <a:ext cx="6975279" cy="4631167"/>
           </a:xfrm>
         </p:spPr>
@@ -24395,10 +24395,13 @@
               </a:rPr>
               <a:t> baiting)</a:t>
             </a:r>
-            <a:endParaRPr lang="lt-LT" sz="1800" dirty="0">
-              <a:latin typeface="Times New Roman" panose="02020603050405020304" pitchFamily="18" charset="0"/>
-              <a:cs typeface="Times New Roman" panose="02020603050405020304" pitchFamily="18" charset="0"/>
-            </a:endParaRPr>
+            <a:r>
+              <a:rPr lang="lt-LT" sz="1800" dirty="0">
+                <a:latin typeface="Times New Roman" panose="02020603050405020304" pitchFamily="18" charset="0"/>
+                <a:cs typeface="Times New Roman" panose="02020603050405020304" pitchFamily="18" charset="0"/>
+              </a:rPr>
+              <a:t> – naudotojas yra viliojimas</a:t>
+            </a:r>
           </a:p>
           <a:p>
             <a:r>
@@ -24408,7 +24411,7 @@
                 <a:ea typeface="Times New Roman" panose="02020603050405020304" pitchFamily="18" charset="0"/>
                 <a:cs typeface="Times New Roman" panose="02020603050405020304" pitchFamily="18" charset="0"/>
               </a:rPr>
-              <a:t>Baidyklė (angl. scareware)</a:t>
+              <a:t>Baidyklė (angl. scareware) – bandoma įbauginti naudotoją</a:t>
             </a:r>
           </a:p>
           <a:p>
@@ -24419,7 +24422,15 @@
                 <a:ea typeface="Times New Roman" panose="02020603050405020304" pitchFamily="18" charset="0"/>
                 <a:cs typeface="Times New Roman" panose="02020603050405020304" pitchFamily="18" charset="0"/>
               </a:rPr>
-              <a:t>Pretekstas (angl. pretexting)</a:t>
+              <a:t>Pretekstas (angl. pretexting) - </a:t>
+            </a:r>
+            <a:r>
+              <a:rPr lang="lt-LT" sz="1800" dirty="0">
+                <a:latin typeface="Times New Roman" panose="02020603050405020304" pitchFamily="18" charset="0"/>
+                <a:ea typeface="Times New Roman" panose="02020603050405020304" pitchFamily="18" charset="0"/>
+                <a:cs typeface="Times New Roman" panose="02020603050405020304" pitchFamily="18" charset="0"/>
+              </a:rPr>
+              <a:t>bandoma apaguti naudotoją</a:t>
             </a:r>
             <a:endParaRPr lang="en-US" sz="1800" dirty="0">
               <a:effectLst/>
@@ -24436,7 +24447,7 @@
                 <a:ea typeface="Times New Roman" panose="02020603050405020304" pitchFamily="18" charset="0"/>
                 <a:cs typeface="Times New Roman" panose="02020603050405020304" pitchFamily="18" charset="0"/>
               </a:rPr>
-              <a:t>Sukčiavimas (angl. phishing)</a:t>
+              <a:t>Sukčiavimas (angl. phishing) – bandoma apgauti naudotoją gaunant informaciją</a:t>
             </a:r>
             <a:endParaRPr lang="en-US" sz="1800" dirty="0">
               <a:effectLst/>
@@ -24474,7 +24485,7 @@
                 <a:ea typeface="Times New Roman" panose="02020603050405020304" pitchFamily="18" charset="0"/>
                 <a:cs typeface="Times New Roman" panose="02020603050405020304" pitchFamily="18" charset="0"/>
               </a:rPr>
-              <a:t>phishing)</a:t>
+              <a:t>phishing) – suasmeninti laiškai, kuriais yra bandoma apgauti gavėją.</a:t>
             </a:r>
             <a:endParaRPr lang="en-US" sz="1800" dirty="0">
               <a:effectLst/>
@@ -26674,23 +26685,6 @@
 </file>
 
 <file path=customXml/item1.xml><?xml version="1.0" encoding="utf-8"?>
-<?mso-contentType ?>
-<FormTemplates xmlns="http://schemas.microsoft.com/sharepoint/v3/contenttype/forms">
-  <Display>DocumentLibraryForm</Display>
-  <Edit>DocumentLibraryForm</Edit>
-  <New>DocumentLibraryForm</New>
-</FormTemplates>
-</file>
-
-<file path=customXml/item2.xml><?xml version="1.0" encoding="utf-8"?>
-<p:properties xmlns:p="http://schemas.microsoft.com/office/2006/metadata/properties" xmlns:xsi="http://www.w3.org/2001/XMLSchema-instance" xmlns:pc="http://schemas.microsoft.com/office/infopath/2007/PartnerControls">
-  <documentManagement>
-    <Modifikuoti xmlns="6f570473-4b36-4c39-a776-03401f4bff93" xsi:nil="true"/>
-  </documentManagement>
-</p:properties>
-</file>
-
-<file path=customXml/item3.xml><?xml version="1.0" encoding="utf-8"?>
 <ct:contentTypeSchema xmlns:ct="http://schemas.microsoft.com/office/2006/metadata/contentType" xmlns:ma="http://schemas.microsoft.com/office/2006/metadata/properties/metaAttributes" ct:_="" ma:_="" ma:contentTypeName="Dokumentas" ma:contentTypeID="0x01010085A0B56825ACE44AA56534054A45F39F" ma:contentTypeVersion="16" ma:contentTypeDescription="Kurkite naują dokumentą." ma:contentTypeScope="" ma:versionID="af5a762cd9ff50b6a08d36f9c4c905e0">
   <xsd:schema xmlns:xsd="http://www.w3.org/2001/XMLSchema" xmlns:xs="http://www.w3.org/2001/XMLSchema" xmlns:p="http://schemas.microsoft.com/office/2006/metadata/properties" xmlns:ns2="620836a7-bc45-472c-88d2-4326827033e8" xmlns:ns3="6f570473-4b36-4c39-a776-03401f4bff93" targetNamespace="http://schemas.microsoft.com/office/2006/metadata/properties" ma:root="true" ma:fieldsID="f1c764103dade80e512ed8409fb7d386" ns2:_="" ns3:_="">
     <xsd:import namespace="620836a7-bc45-472c-88d2-4326827033e8"/>
@@ -26933,25 +26927,24 @@
 </ct:contentTypeSchema>
 </file>
 
-<file path=customXml/itemProps1.xml><?xml version="1.0" encoding="utf-8"?>
-<ds:datastoreItem xmlns:ds="http://schemas.openxmlformats.org/officeDocument/2006/customXml" ds:itemID="{520C1942-10EE-42DC-AE9F-A926B050F2F4}">
-  <ds:schemaRefs>
-    <ds:schemaRef ds:uri="http://schemas.microsoft.com/sharepoint/v3/contenttype/forms"/>
-  </ds:schemaRefs>
-</ds:datastoreItem>
+<file path=customXml/item2.xml><?xml version="1.0" encoding="utf-8"?>
+<p:properties xmlns:p="http://schemas.microsoft.com/office/2006/metadata/properties" xmlns:xsi="http://www.w3.org/2001/XMLSchema-instance" xmlns:pc="http://schemas.microsoft.com/office/infopath/2007/PartnerControls">
+  <documentManagement>
+    <Modifikuoti xmlns="6f570473-4b36-4c39-a776-03401f4bff93" xsi:nil="true"/>
+  </documentManagement>
+</p:properties>
 </file>
 
-<file path=customXml/itemProps2.xml><?xml version="1.0" encoding="utf-8"?>
-<ds:datastoreItem xmlns:ds="http://schemas.openxmlformats.org/officeDocument/2006/customXml" ds:itemID="{BA7BADF8-ABD3-4C23-AF26-BD3BDD8175E7}">
-  <ds:schemaRefs>
-    <ds:schemaRef ds:uri="http://schemas.microsoft.com/office/2006/metadata/properties"/>
-    <ds:schemaRef ds:uri="http://schemas.microsoft.com/office/infopath/2007/PartnerControls"/>
-    <ds:schemaRef ds:uri="6f570473-4b36-4c39-a776-03401f4bff93"/>
-  </ds:schemaRefs>
-</ds:datastoreItem>
+<file path=customXml/item3.xml><?xml version="1.0" encoding="utf-8"?>
+<?mso-contentType ?>
+<FormTemplates xmlns="http://schemas.microsoft.com/sharepoint/v3/contenttype/forms">
+  <Display>DocumentLibraryForm</Display>
+  <Edit>DocumentLibraryForm</Edit>
+  <New>DocumentLibraryForm</New>
+</FormTemplates>
 </file>
 
-<file path=customXml/itemProps3.xml><?xml version="1.0" encoding="utf-8"?>
+<file path=customXml/itemProps1.xml><?xml version="1.0" encoding="utf-8"?>
 <ds:datastoreItem xmlns:ds="http://schemas.openxmlformats.org/officeDocument/2006/customXml" ds:itemID="{8E9EA016-48E9-454F-BAD2-C11D02A89C34}">
   <ds:schemaRefs>
     <ds:schemaRef ds:uri="http://schemas.microsoft.com/office/2006/metadata/contentType"/>
@@ -26968,4 +26961,22 @@
     <ds:schemaRef ds:uri="http://schemas.microsoft.com/internal/obd"/>
   </ds:schemaRefs>
 </ds:datastoreItem>
+</file>
+
+<file path=customXml/itemProps2.xml><?xml version="1.0" encoding="utf-8"?>
+<ds:datastoreItem xmlns:ds="http://schemas.openxmlformats.org/officeDocument/2006/customXml" ds:itemID="{BA7BADF8-ABD3-4C23-AF26-BD3BDD8175E7}">
+  <ds:schemaRefs>
+    <ds:schemaRef ds:uri="http://schemas.microsoft.com/office/2006/metadata/properties"/>
+    <ds:schemaRef ds:uri="http://schemas.microsoft.com/office/infopath/2007/PartnerControls"/>
+    <ds:schemaRef ds:uri="6f570473-4b36-4c39-a776-03401f4bff93"/>
+  </ds:schemaRefs>
+</ds:datastoreItem>
+</file>
+
+<file path=customXml/itemProps3.xml><?xml version="1.0" encoding="utf-8"?>
+<ds:datastoreItem xmlns:ds="http://schemas.openxmlformats.org/officeDocument/2006/customXml" ds:itemID="{520C1942-10EE-42DC-AE9F-A926B050F2F4}">
+  <ds:schemaRefs>
+    <ds:schemaRef ds:uri="http://schemas.microsoft.com/sharepoint/v3/contenttype/forms"/>
+  </ds:schemaRefs>
+</ds:datastoreItem>
 </file>